--- a/202410/20241015_01_doc_001.pptx
+++ b/202410/20241015_01_doc_001.pptx
@@ -105,6 +105,11 @@
       </a:defRPr>
     </a:lvl9pPr>
   </p:defaultTextStyle>
+  <p:extLst>
+    <p:ext uri="{EFAFB233-063F-42B5-8137-9DF3F51BA10A}">
+      <p15:sldGuideLst xmlns:p15="http://schemas.microsoft.com/office/powerpoint/2012/main"/>
+    </p:ext>
+  </p:extLst>
 </p:presentation>
 </file>
 
@@ -3873,8 +3878,8 @@
         </p:nvSpPr>
         <p:spPr>
           <a:xfrm>
-            <a:off x="2922623" y="94355"/>
-            <a:ext cx="2598821" cy="3150525"/>
+            <a:off x="2922624" y="94355"/>
+            <a:ext cx="2596362" cy="3150525"/>
           </a:xfrm>
           <a:prstGeom prst="rect">
             <a:avLst/>
@@ -5357,8 +5362,8 @@
         </p:nvSpPr>
         <p:spPr>
           <a:xfrm>
-            <a:off x="2920165" y="104198"/>
-            <a:ext cx="2598822" cy="338554"/>
+            <a:off x="2920164" y="94355"/>
+            <a:ext cx="2598821" cy="338554"/>
           </a:xfrm>
           <a:prstGeom prst="rect">
             <a:avLst/>
@@ -5385,14 +5390,14 @@
           <a:lstStyle/>
           <a:p>
             <a:r>
-              <a:rPr kumimoji="1" lang="en-US" altLang="zh-CN" sz="1600" b="1"/>
+              <a:rPr kumimoji="1" lang="en-US" altLang="zh-CN" sz="1600" b="1" dirty="0"/>
               <a:t>Row2</a:t>
             </a:r>
             <a:r>
-              <a:rPr kumimoji="1" lang="en-US" altLang="zh-CN" sz="1600"/>
+              <a:rPr kumimoji="1" lang="en-US" altLang="zh-CN" sz="1600" dirty="0"/>
               <a:t>’s column: Document</a:t>
             </a:r>
-            <a:endParaRPr kumimoji="1" lang="zh-CN" altLang="en-US" sz="1600"/>
+            <a:endParaRPr kumimoji="1" lang="zh-CN" altLang="en-US" sz="1600" dirty="0"/>
           </a:p>
         </p:txBody>
       </p:sp>
@@ -6103,7 +6108,7 @@
         <p:spPr>
           <a:xfrm>
             <a:off x="2922623" y="94355"/>
-            <a:ext cx="2598821" cy="3150525"/>
+            <a:ext cx="2596363" cy="3150525"/>
           </a:xfrm>
           <a:prstGeom prst="rect">
             <a:avLst/>
@@ -7572,7 +7577,7 @@
         </p:nvSpPr>
         <p:spPr>
           <a:xfrm>
-            <a:off x="2920165" y="104198"/>
+            <a:off x="2920164" y="94355"/>
             <a:ext cx="2598822" cy="338554"/>
           </a:xfrm>
           <a:prstGeom prst="rect">
